--- a/eece2160/f17/lectures/eece.2160f17_lec1_intro.pptx
+++ b/eece2160/f17/lectures/eece.2160f17_lec1_intro.pptx
@@ -549,7 +549,7 @@
             <a:tailEnd/>
           </a:ln>
           <a:extLst>
-            <a:ext uri="{909E8E84-426E-40dd-AFC4-6F175D3DCCD1}">
+            <a:ext uri="{909E8E84-426E-40DD-AFC4-6F175D3DCCD1}">
               <a14:hiddenFill xmlns:a14="http://schemas.microsoft.com/office/drawing/2010/main">
                 <a:solidFill>
                   <a:srgbClr val="FFFFFF"/>
@@ -557,7 +557,7 @@
               </a14:hiddenFill>
             </a:ext>
             <a:ext uri="{FAA26D3D-D897-4be2-8F04-BA451C77F1D7}">
-              <ma14:placeholderFlag xmlns:ma14="http://schemas.microsoft.com/office/mac/drawingml/2011/main" val="1"/>
+              <ma14:placeholderFlag xmlns:ma14="http://schemas.microsoft.com/office/mac/drawingml/2011/main" xmlns="" val="1"/>
             </a:ext>
           </a:extLst>
         </p:spPr>
@@ -896,14 +896,14 @@
           <a:noFill/>
           <a:ln/>
           <a:extLst>
-            <a:ext uri="{909E8E84-426E-40dd-AFC4-6F175D3DCCD1}">
+            <a:ext uri="{909E8E84-426E-40DD-AFC4-6F175D3DCCD1}">
               <a14:hiddenFill xmlns:a14="http://schemas.microsoft.com/office/drawing/2010/main">
                 <a:solidFill>
                   <a:srgbClr val="FFFFFF"/>
                 </a:solidFill>
               </a14:hiddenFill>
             </a:ext>
-            <a:ext uri="{91240B29-F687-4f45-9708-019B960494DF}">
+            <a:ext uri="{91240B29-F687-4F45-9708-019B960494DF}">
               <a14:hiddenLine xmlns:a14="http://schemas.microsoft.com/office/drawing/2010/main" w="9525">
                 <a:solidFill>
                   <a:srgbClr val="000000"/>
@@ -1071,14 +1071,14 @@
           <a:noFill/>
           <a:ln/>
           <a:extLst>
-            <a:ext uri="{909E8E84-426E-40dd-AFC4-6F175D3DCCD1}">
+            <a:ext uri="{909E8E84-426E-40DD-AFC4-6F175D3DCCD1}">
               <a14:hiddenFill xmlns:a14="http://schemas.microsoft.com/office/drawing/2010/main">
                 <a:solidFill>
                   <a:srgbClr val="FFFFFF"/>
                 </a:solidFill>
               </a14:hiddenFill>
             </a:ext>
-            <a:ext uri="{91240B29-F687-4f45-9708-019B960494DF}">
+            <a:ext uri="{91240B29-F687-4F45-9708-019B960494DF}">
               <a14:hiddenLine xmlns:a14="http://schemas.microsoft.com/office/drawing/2010/main" w="9525">
                 <a:solidFill>
                   <a:srgbClr val="000000"/>
@@ -1089,7 +1089,7 @@
               </a14:hiddenLine>
             </a:ext>
             <a:ext uri="{FAA26D3D-D897-4be2-8F04-BA451C77F1D7}">
-              <ma14:placeholderFlag xmlns:ma14="http://schemas.microsoft.com/office/mac/drawingml/2011/main" val="1"/>
+              <ma14:placeholderFlag xmlns:ma14="http://schemas.microsoft.com/office/mac/drawingml/2011/main" xmlns="" val="1"/>
             </a:ext>
           </a:extLst>
         </p:spPr>
@@ -1141,14 +1141,14 @@
           <a:noFill/>
           <a:ln/>
           <a:extLst>
-            <a:ext uri="{909E8E84-426E-40dd-AFC4-6F175D3DCCD1}">
+            <a:ext uri="{909E8E84-426E-40DD-AFC4-6F175D3DCCD1}">
               <a14:hiddenFill xmlns:a14="http://schemas.microsoft.com/office/drawing/2010/main">
                 <a:solidFill>
                   <a:srgbClr val="FFFFFF"/>
                 </a:solidFill>
               </a14:hiddenFill>
             </a:ext>
-            <a:ext uri="{91240B29-F687-4f45-9708-019B960494DF}">
+            <a:ext uri="{91240B29-F687-4F45-9708-019B960494DF}">
               <a14:hiddenLine xmlns:a14="http://schemas.microsoft.com/office/drawing/2010/main" w="9525">
                 <a:solidFill>
                   <a:srgbClr val="000000"/>
@@ -1316,14 +1316,14 @@
           <a:noFill/>
           <a:ln/>
           <a:extLst>
-            <a:ext uri="{909E8E84-426E-40dd-AFC4-6F175D3DCCD1}">
+            <a:ext uri="{909E8E84-426E-40DD-AFC4-6F175D3DCCD1}">
               <a14:hiddenFill xmlns:a14="http://schemas.microsoft.com/office/drawing/2010/main">
                 <a:solidFill>
                   <a:srgbClr val="FFFFFF"/>
                 </a:solidFill>
               </a14:hiddenFill>
             </a:ext>
-            <a:ext uri="{91240B29-F687-4f45-9708-019B960494DF}">
+            <a:ext uri="{91240B29-F687-4F45-9708-019B960494DF}">
               <a14:hiddenLine xmlns:a14="http://schemas.microsoft.com/office/drawing/2010/main" w="9525">
                 <a:solidFill>
                   <a:srgbClr val="000000"/>
@@ -1334,7 +1334,7 @@
               </a14:hiddenLine>
             </a:ext>
             <a:ext uri="{FAA26D3D-D897-4be2-8F04-BA451C77F1D7}">
-              <ma14:placeholderFlag xmlns:ma14="http://schemas.microsoft.com/office/mac/drawingml/2011/main" val="1"/>
+              <ma14:placeholderFlag xmlns:ma14="http://schemas.microsoft.com/office/mac/drawingml/2011/main" xmlns="" val="1"/>
             </a:ext>
           </a:extLst>
         </p:spPr>
@@ -1386,14 +1386,14 @@
           <a:noFill/>
           <a:ln/>
           <a:extLst>
-            <a:ext uri="{909E8E84-426E-40dd-AFC4-6F175D3DCCD1}">
+            <a:ext uri="{909E8E84-426E-40DD-AFC4-6F175D3DCCD1}">
               <a14:hiddenFill xmlns:a14="http://schemas.microsoft.com/office/drawing/2010/main">
                 <a:solidFill>
                   <a:srgbClr val="FFFFFF"/>
                 </a:solidFill>
               </a14:hiddenFill>
             </a:ext>
-            <a:ext uri="{91240B29-F687-4f45-9708-019B960494DF}">
+            <a:ext uri="{91240B29-F687-4F45-9708-019B960494DF}">
               <a14:hiddenLine xmlns:a14="http://schemas.microsoft.com/office/drawing/2010/main" w="9525">
                 <a:solidFill>
                   <a:srgbClr val="000000"/>
@@ -1561,14 +1561,14 @@
           <a:noFill/>
           <a:ln/>
           <a:extLst>
-            <a:ext uri="{909E8E84-426E-40dd-AFC4-6F175D3DCCD1}">
+            <a:ext uri="{909E8E84-426E-40DD-AFC4-6F175D3DCCD1}">
               <a14:hiddenFill xmlns:a14="http://schemas.microsoft.com/office/drawing/2010/main">
                 <a:solidFill>
                   <a:srgbClr val="FFFFFF"/>
                 </a:solidFill>
               </a14:hiddenFill>
             </a:ext>
-            <a:ext uri="{91240B29-F687-4f45-9708-019B960494DF}">
+            <a:ext uri="{91240B29-F687-4F45-9708-019B960494DF}">
               <a14:hiddenLine xmlns:a14="http://schemas.microsoft.com/office/drawing/2010/main" w="9525">
                 <a:solidFill>
                   <a:srgbClr val="000000"/>
@@ -1579,7 +1579,7 @@
               </a14:hiddenLine>
             </a:ext>
             <a:ext uri="{FAA26D3D-D897-4be2-8F04-BA451C77F1D7}">
-              <ma14:placeholderFlag xmlns:ma14="http://schemas.microsoft.com/office/mac/drawingml/2011/main" val="1"/>
+              <ma14:placeholderFlag xmlns:ma14="http://schemas.microsoft.com/office/mac/drawingml/2011/main" xmlns="" val="1"/>
             </a:ext>
           </a:extLst>
         </p:spPr>
@@ -1631,14 +1631,14 @@
           <a:noFill/>
           <a:ln/>
           <a:extLst>
-            <a:ext uri="{909E8E84-426E-40dd-AFC4-6F175D3DCCD1}">
+            <a:ext uri="{909E8E84-426E-40DD-AFC4-6F175D3DCCD1}">
               <a14:hiddenFill xmlns:a14="http://schemas.microsoft.com/office/drawing/2010/main">
                 <a:solidFill>
                   <a:srgbClr val="FFFFFF"/>
                 </a:solidFill>
               </a14:hiddenFill>
             </a:ext>
-            <a:ext uri="{91240B29-F687-4f45-9708-019B960494DF}">
+            <a:ext uri="{91240B29-F687-4F45-9708-019B960494DF}">
               <a14:hiddenLine xmlns:a14="http://schemas.microsoft.com/office/drawing/2010/main" w="9525">
                 <a:solidFill>
                   <a:srgbClr val="000000"/>
@@ -1806,14 +1806,14 @@
           <a:noFill/>
           <a:ln/>
           <a:extLst>
-            <a:ext uri="{909E8E84-426E-40dd-AFC4-6F175D3DCCD1}">
+            <a:ext uri="{909E8E84-426E-40DD-AFC4-6F175D3DCCD1}">
               <a14:hiddenFill xmlns:a14="http://schemas.microsoft.com/office/drawing/2010/main">
                 <a:solidFill>
                   <a:srgbClr val="FFFFFF"/>
                 </a:solidFill>
               </a14:hiddenFill>
             </a:ext>
-            <a:ext uri="{91240B29-F687-4f45-9708-019B960494DF}">
+            <a:ext uri="{91240B29-F687-4F45-9708-019B960494DF}">
               <a14:hiddenLine xmlns:a14="http://schemas.microsoft.com/office/drawing/2010/main" w="9525">
                 <a:solidFill>
                   <a:srgbClr val="000000"/>
@@ -1824,7 +1824,7 @@
               </a14:hiddenLine>
             </a:ext>
             <a:ext uri="{FAA26D3D-D897-4be2-8F04-BA451C77F1D7}">
-              <ma14:placeholderFlag xmlns:ma14="http://schemas.microsoft.com/office/mac/drawingml/2011/main" val="1"/>
+              <ma14:placeholderFlag xmlns:ma14="http://schemas.microsoft.com/office/mac/drawingml/2011/main" xmlns="" val="1"/>
             </a:ext>
           </a:extLst>
         </p:spPr>
@@ -1876,14 +1876,14 @@
           <a:noFill/>
           <a:ln/>
           <a:extLst>
-            <a:ext uri="{909E8E84-426E-40dd-AFC4-6F175D3DCCD1}">
+            <a:ext uri="{909E8E84-426E-40DD-AFC4-6F175D3DCCD1}">
               <a14:hiddenFill xmlns:a14="http://schemas.microsoft.com/office/drawing/2010/main">
                 <a:solidFill>
                   <a:srgbClr val="FFFFFF"/>
                 </a:solidFill>
               </a14:hiddenFill>
             </a:ext>
-            <a:ext uri="{91240B29-F687-4f45-9708-019B960494DF}">
+            <a:ext uri="{91240B29-F687-4F45-9708-019B960494DF}">
               <a14:hiddenLine xmlns:a14="http://schemas.microsoft.com/office/drawing/2010/main" w="9525">
                 <a:solidFill>
                   <a:srgbClr val="000000"/>
@@ -2051,14 +2051,14 @@
           <a:noFill/>
           <a:ln/>
           <a:extLst>
-            <a:ext uri="{909E8E84-426E-40dd-AFC4-6F175D3DCCD1}">
+            <a:ext uri="{909E8E84-426E-40DD-AFC4-6F175D3DCCD1}">
               <a14:hiddenFill xmlns:a14="http://schemas.microsoft.com/office/drawing/2010/main">
                 <a:solidFill>
                   <a:srgbClr val="FFFFFF"/>
                 </a:solidFill>
               </a14:hiddenFill>
             </a:ext>
-            <a:ext uri="{91240B29-F687-4f45-9708-019B960494DF}">
+            <a:ext uri="{91240B29-F687-4F45-9708-019B960494DF}">
               <a14:hiddenLine xmlns:a14="http://schemas.microsoft.com/office/drawing/2010/main" w="9525">
                 <a:solidFill>
                   <a:srgbClr val="000000"/>
@@ -2069,7 +2069,7 @@
               </a14:hiddenLine>
             </a:ext>
             <a:ext uri="{FAA26D3D-D897-4be2-8F04-BA451C77F1D7}">
-              <ma14:placeholderFlag xmlns:ma14="http://schemas.microsoft.com/office/mac/drawingml/2011/main" val="1"/>
+              <ma14:placeholderFlag xmlns:ma14="http://schemas.microsoft.com/office/mac/drawingml/2011/main" xmlns="" val="1"/>
             </a:ext>
           </a:extLst>
         </p:spPr>
@@ -2171,7 +2171,7 @@
             <a:tailEnd/>
           </a:ln>
           <a:extLst>
-            <a:ext uri="{909E8E84-426E-40dd-AFC4-6F175D3DCCD1}">
+            <a:ext uri="{909E8E84-426E-40DD-AFC4-6F175D3DCCD1}">
               <a14:hiddenFill xmlns:a14="http://schemas.microsoft.com/office/drawing/2010/main">
                 <a:solidFill>
                   <a:srgbClr val="FFFFFF"/>
@@ -2214,7 +2214,7 @@
             <a:tailEnd/>
           </a:ln>
           <a:extLst>
-            <a:ext uri="{909E8E84-426E-40dd-AFC4-6F175D3DCCD1}">
+            <a:ext uri="{909E8E84-426E-40DD-AFC4-6F175D3DCCD1}">
               <a14:hiddenFill xmlns:a14="http://schemas.microsoft.com/office/drawing/2010/main">
                 <a:noFill/>
               </a14:hiddenFill>
@@ -2314,7 +2314,7 @@
           <a:p>
             <a:fld id="{F6AB22BC-3F13-D041-B7E7-53D345F3D506}" type="datetime1">
               <a:rPr lang="en-US" smtClean="0"/>
-              <a:t>9/5/17</a:t>
+              <a:t>9/6/2017</a:t>
             </a:fld>
             <a:endParaRPr lang="en-US"/>
           </a:p>
@@ -2510,7 +2510,7 @@
           <a:p>
             <a:fld id="{CE50B5AC-4C1F-BC48-8E9E-825342826844}" type="datetime1">
               <a:rPr lang="en-US" smtClean="0"/>
-              <a:t>9/5/17</a:t>
+              <a:t>9/6/2017</a:t>
             </a:fld>
             <a:endParaRPr lang="en-US"/>
           </a:p>
@@ -2715,7 +2715,7 @@
           <a:p>
             <a:fld id="{19140AB6-D9F1-7F4C-8DDB-13DA33D45B67}" type="datetime1">
               <a:rPr lang="en-US" smtClean="0"/>
-              <a:t>9/5/17</a:t>
+              <a:t>9/6/2017</a:t>
             </a:fld>
             <a:endParaRPr lang="en-US"/>
           </a:p>
@@ -2977,7 +2977,7 @@
           <a:p>
             <a:fld id="{1D8A0311-486A-EE4B-8667-B72E790F4B34}" type="datetime1">
               <a:rPr lang="en-US" smtClean="0"/>
-              <a:t>9/5/17</a:t>
+              <a:t>9/6/2017</a:t>
             </a:fld>
             <a:endParaRPr lang="en-US"/>
           </a:p>
@@ -3239,7 +3239,7 @@
           <a:p>
             <a:fld id="{7BF49E88-F204-CF48-9256-C1FED9EE3C63}" type="datetime1">
               <a:rPr lang="en-US" smtClean="0"/>
-              <a:t>9/5/17</a:t>
+              <a:t>9/6/2017</a:t>
             </a:fld>
             <a:endParaRPr lang="en-US"/>
           </a:p>
@@ -3434,7 +3434,7 @@
           <a:p>
             <a:fld id="{BA7177C3-D81E-3741-A84F-39E996C00AC0}" type="datetime1">
               <a:rPr lang="en-US" smtClean="0"/>
-              <a:t>9/5/17</a:t>
+              <a:t>9/6/2017</a:t>
             </a:fld>
             <a:endParaRPr lang="en-US"/>
           </a:p>
@@ -3651,7 +3651,7 @@
           <a:p>
             <a:fld id="{2484A921-CD18-F748-876E-9D7B936434CD}" type="datetime1">
               <a:rPr lang="en-US" smtClean="0"/>
-              <a:t>9/5/17</a:t>
+              <a:t>9/6/2017</a:t>
             </a:fld>
             <a:endParaRPr lang="en-US"/>
           </a:p>
@@ -3964,7 +3964,7 @@
           <a:p>
             <a:fld id="{79EC2E33-3B9F-1F4C-86B8-731DA9EDE679}" type="datetime1">
               <a:rPr lang="en-US" smtClean="0"/>
-              <a:t>9/5/17</a:t>
+              <a:t>9/6/2017</a:t>
             </a:fld>
             <a:endParaRPr lang="en-US"/>
           </a:p>
@@ -4416,7 +4416,7 @@
           <a:p>
             <a:fld id="{84F2A380-89CA-8A4B-8697-6289D3F7530D}" type="datetime1">
               <a:rPr lang="en-US" smtClean="0"/>
-              <a:t>9/5/17</a:t>
+              <a:t>9/6/2017</a:t>
             </a:fld>
             <a:endParaRPr lang="en-US"/>
           </a:p>
@@ -4559,7 +4559,7 @@
           <a:p>
             <a:fld id="{BEC2A9CF-B718-1340-B187-248523176641}" type="datetime1">
               <a:rPr lang="en-US" smtClean="0"/>
-              <a:t>9/5/17</a:t>
+              <a:t>9/6/2017</a:t>
             </a:fld>
             <a:endParaRPr lang="en-US"/>
           </a:p>
@@ -4679,7 +4679,7 @@
           <a:p>
             <a:fld id="{08CD3B3E-3CD8-4C4D-AC23-A81D295B31C3}" type="datetime1">
               <a:rPr lang="en-US" smtClean="0"/>
-              <a:t>9/5/17</a:t>
+              <a:t>9/6/2017</a:t>
             </a:fld>
             <a:endParaRPr lang="en-US"/>
           </a:p>
@@ -4981,7 +4981,7 @@
           <a:p>
             <a:fld id="{86EAE07D-08A0-6F42-8722-4AD6DB3DECDF}" type="datetime1">
               <a:rPr lang="en-US" smtClean="0"/>
-              <a:t>9/5/17</a:t>
+              <a:t>9/6/2017</a:t>
             </a:fld>
             <a:endParaRPr lang="en-US"/>
           </a:p>
@@ -5260,7 +5260,7 @@
           <a:p>
             <a:fld id="{2F7A613D-EFF1-024E-AEF1-6A01C3079629}" type="datetime1">
               <a:rPr lang="en-US" smtClean="0"/>
-              <a:t>9/5/17</a:t>
+              <a:t>9/6/2017</a:t>
             </a:fld>
             <a:endParaRPr lang="en-US"/>
           </a:p>
@@ -5388,14 +5388,14 @@
             <a:noFill/>
           </a:ln>
           <a:extLst>
-            <a:ext uri="{909E8E84-426E-40dd-AFC4-6F175D3DCCD1}">
+            <a:ext uri="{909E8E84-426E-40DD-AFC4-6F175D3DCCD1}">
               <a14:hiddenFill xmlns:a14="http://schemas.microsoft.com/office/drawing/2010/main">
                 <a:solidFill>
                   <a:srgbClr val="FFFFFF"/>
                 </a:solidFill>
               </a14:hiddenFill>
             </a:ext>
-            <a:ext uri="{91240B29-F687-4f45-9708-019B960494DF}">
+            <a:ext uri="{91240B29-F687-4F45-9708-019B960494DF}">
               <a14:hiddenLine xmlns:a14="http://schemas.microsoft.com/office/drawing/2010/main" w="9525">
                 <a:solidFill>
                   <a:srgbClr val="000000"/>
@@ -5406,7 +5406,7 @@
               </a14:hiddenLine>
             </a:ext>
             <a:ext uri="{FAA26D3D-D897-4be2-8F04-BA451C77F1D7}">
-              <ma14:placeholderFlag xmlns:ma14="http://schemas.microsoft.com/office/mac/drawingml/2011/main" val="1"/>
+              <ma14:placeholderFlag xmlns:ma14="http://schemas.microsoft.com/office/mac/drawingml/2011/main" xmlns="" val="1"/>
             </a:ext>
           </a:extLst>
         </p:spPr>
@@ -5449,14 +5449,14 @@
             <a:noFill/>
           </a:ln>
           <a:extLst>
-            <a:ext uri="{909E8E84-426E-40dd-AFC4-6F175D3DCCD1}">
+            <a:ext uri="{909E8E84-426E-40DD-AFC4-6F175D3DCCD1}">
               <a14:hiddenFill xmlns:a14="http://schemas.microsoft.com/office/drawing/2010/main">
                 <a:solidFill>
                   <a:srgbClr val="FFFFFF"/>
                 </a:solidFill>
               </a14:hiddenFill>
             </a:ext>
-            <a:ext uri="{91240B29-F687-4f45-9708-019B960494DF}">
+            <a:ext uri="{91240B29-F687-4F45-9708-019B960494DF}">
               <a14:hiddenLine xmlns:a14="http://schemas.microsoft.com/office/drawing/2010/main" w="9525">
                 <a:solidFill>
                   <a:srgbClr val="000000"/>
@@ -5467,7 +5467,7 @@
               </a14:hiddenLine>
             </a:ext>
             <a:ext uri="{FAA26D3D-D897-4be2-8F04-BA451C77F1D7}">
-              <ma14:placeholderFlag xmlns:ma14="http://schemas.microsoft.com/office/mac/drawingml/2011/main" val="1"/>
+              <ma14:placeholderFlag xmlns:ma14="http://schemas.microsoft.com/office/mac/drawingml/2011/main" xmlns="" val="1"/>
             </a:ext>
           </a:extLst>
         </p:spPr>
@@ -5558,7 +5558,7 @@
           <a:p>
             <a:fld id="{70E50D42-73AC-8742-B23A-E48C40F82084}" type="datetime1">
               <a:rPr lang="en-US" smtClean="0"/>
-              <a:t>9/5/17</a:t>
+              <a:t>9/6/2017</a:t>
             </a:fld>
             <a:endParaRPr lang="en-US"/>
           </a:p>
@@ -5731,7 +5731,7 @@
             <a:tailEnd/>
           </a:ln>
           <a:extLst>
-            <a:ext uri="{909E8E84-426E-40dd-AFC4-6F175D3DCCD1}">
+            <a:ext uri="{909E8E84-426E-40DD-AFC4-6F175D3DCCD1}">
               <a14:hiddenFill xmlns:a14="http://schemas.microsoft.com/office/drawing/2010/main">
                 <a:solidFill>
                   <a:srgbClr val="FFFFFF"/>
@@ -5774,7 +5774,7 @@
             <a:tailEnd/>
           </a:ln>
           <a:extLst>
-            <a:ext uri="{909E8E84-426E-40dd-AFC4-6F175D3DCCD1}">
+            <a:ext uri="{909E8E84-426E-40DD-AFC4-6F175D3DCCD1}">
               <a14:hiddenFill xmlns:a14="http://schemas.microsoft.com/office/drawing/2010/main">
                 <a:noFill/>
               </a14:hiddenFill>
@@ -5810,7 +5810,7 @@
   <p:timing>
     <p:tnLst>
       <p:par>
-        <p:cTn xmlns:p14="http://schemas.microsoft.com/office/powerpoint/2010/main" id="1" dur="indefinite" restart="never" nodeType="tmRoot"/>
+        <p:cTn id="1" dur="indefinite" restart="never" nodeType="tmRoot"/>
       </p:par>
     </p:tnLst>
   </p:timing>
@@ -6450,7 +6450,7 @@
   <p:timing>
     <p:tnLst>
       <p:par>
-        <p:cTn xmlns:p14="http://schemas.microsoft.com/office/powerpoint/2010/main" id="1" dur="indefinite" restart="never" nodeType="tmRoot"/>
+        <p:cTn id="1" dur="indefinite" restart="never" nodeType="tmRoot"/>
       </p:par>
     </p:tnLst>
   </p:timing>
@@ -6795,7 +6795,7 @@
               <a:rPr lang="en-US" smtClean="0">
                 <a:latin typeface="Garamond" charset="0"/>
               </a:rPr>
-              <a:t>9/5/17</a:t>
+              <a:t>9/6/2017</a:t>
             </a:fld>
             <a:endParaRPr lang="en-US">
               <a:latin typeface="Garamond" charset="0"/>
@@ -6980,7 +6980,7 @@
   <p:timing>
     <p:tnLst>
       <p:par>
-        <p:cTn xmlns:p14="http://schemas.microsoft.com/office/powerpoint/2010/main" id="1" dur="indefinite" restart="never" nodeType="tmRoot"/>
+        <p:cTn id="1" dur="indefinite" restart="never" nodeType="tmRoot"/>
       </p:par>
     </p:tnLst>
   </p:timing>
@@ -7156,7 +7156,7 @@
           <a:p>
             <a:fld id="{3ABB7120-FCF2-F743-9D52-C4937A807088}" type="datetime1">
               <a:rPr lang="en-US" smtClean="0"/>
-              <a:t>9/5/17</a:t>
+              <a:t>9/6/2017</a:t>
             </a:fld>
             <a:endParaRPr lang="en-US"/>
           </a:p>
@@ -7225,7 +7225,7 @@
   <p:timing>
     <p:tnLst>
       <p:par>
-        <p:cTn xmlns:p14="http://schemas.microsoft.com/office/powerpoint/2010/main" id="1" dur="indefinite" restart="never" nodeType="tmRoot"/>
+        <p:cTn id="1" dur="indefinite" restart="never" nodeType="tmRoot"/>
       </p:par>
     </p:tnLst>
   </p:timing>
@@ -7384,7 +7384,7 @@
               <a:rPr lang="en-US" smtClean="0">
                 <a:latin typeface="Garamond" charset="0"/>
               </a:rPr>
-              <a:t>9/5/17</a:t>
+              <a:t>9/6/2017</a:t>
             </a:fld>
             <a:endParaRPr lang="en-US">
               <a:latin typeface="Garamond" charset="0"/>
@@ -7755,25 +7755,7 @@
               <a:rPr lang="en-US" dirty="0" smtClean="0">
                 <a:latin typeface="Arial" charset="0"/>
               </a:rPr>
-              <a:t>Wednesday, </a:t>
-            </a:r>
-            <a:r>
-              <a:rPr lang="en-US" dirty="0" smtClean="0">
-                <a:latin typeface="Arial" charset="0"/>
-              </a:rPr>
-              <a:t>October 4</a:t>
-            </a:r>
-            <a:r>
-              <a:rPr lang="en-US" dirty="0" smtClean="0">
-                <a:latin typeface="Arial" charset="0"/>
-              </a:rPr>
-              <a:t> </a:t>
-            </a:r>
-            <a:r>
-              <a:rPr lang="en-US" dirty="0" smtClean="0">
-                <a:latin typeface="Arial" charset="0"/>
-              </a:rPr>
-              <a:t>in </a:t>
+              <a:t>Wednesday, October 4 in </a:t>
             </a:r>
             <a:r>
               <a:rPr lang="en-US" dirty="0">
@@ -7807,19 +7789,7 @@
               <a:rPr lang="en-US" dirty="0" smtClean="0">
                 <a:latin typeface="Arial" charset="0"/>
               </a:rPr>
-              <a:t>Wednesday, </a:t>
-            </a:r>
-            <a:r>
-              <a:rPr lang="en-US" dirty="0" smtClean="0">
-                <a:latin typeface="Arial" charset="0"/>
-              </a:rPr>
-              <a:t>November 8 </a:t>
-            </a:r>
-            <a:r>
-              <a:rPr lang="en-US" dirty="0" smtClean="0">
-                <a:latin typeface="Arial" charset="0"/>
-              </a:rPr>
-              <a:t>in </a:t>
+              <a:t>Wednesday, November 8 in </a:t>
             </a:r>
             <a:r>
               <a:rPr lang="en-US" dirty="0">
@@ -7869,7 +7839,7 @@
   <p:timing>
     <p:tnLst>
       <p:par>
-        <p:cTn xmlns:p14="http://schemas.microsoft.com/office/powerpoint/2010/main" id="1" dur="indefinite" restart="never" nodeType="tmRoot"/>
+        <p:cTn id="1" dur="indefinite" restart="never" nodeType="tmRoot"/>
       </p:par>
     </p:tnLst>
   </p:timing>
@@ -8028,7 +7998,7 @@
               <a:rPr lang="en-US" smtClean="0">
                 <a:latin typeface="Garamond" charset="0"/>
               </a:rPr>
-              <a:t>9/5/17</a:t>
+              <a:t>9/6/2017</a:t>
             </a:fld>
             <a:endParaRPr lang="en-US">
               <a:latin typeface="Garamond" charset="0"/>
@@ -8395,7 +8365,7 @@
   <p:timing>
     <p:tnLst>
       <p:par>
-        <p:cTn xmlns:p14="http://schemas.microsoft.com/office/powerpoint/2010/main" id="1" dur="indefinite" restart="never" nodeType="tmRoot"/>
+        <p:cTn id="1" dur="indefinite" restart="never" nodeType="tmRoot"/>
       </p:par>
     </p:tnLst>
   </p:timing>
@@ -8638,7 +8608,7 @@
               <a:rPr lang="en-US" smtClean="0">
                 <a:latin typeface="Garamond" charset="0"/>
               </a:rPr>
-              <a:t>9/5/17</a:t>
+              <a:t>9/6/2017</a:t>
             </a:fld>
             <a:endParaRPr lang="en-US">
               <a:latin typeface="Garamond" charset="0"/>
@@ -8823,7 +8793,7 @@
   <p:timing>
     <p:tnLst>
       <p:par>
-        <p:cTn xmlns:p14="http://schemas.microsoft.com/office/powerpoint/2010/main" id="1" dur="indefinite" restart="never" nodeType="tmRoot"/>
+        <p:cTn id="1" dur="indefinite" restart="never" nodeType="tmRoot"/>
       </p:par>
     </p:tnLst>
   </p:timing>
@@ -9114,7 +9084,7 @@
               <a:rPr lang="en-US" smtClean="0">
                 <a:latin typeface="Garamond" charset="0"/>
               </a:rPr>
-              <a:t>9/5/17</a:t>
+              <a:t>9/6/2017</a:t>
             </a:fld>
             <a:endParaRPr lang="en-US">
               <a:latin typeface="Garamond" charset="0"/>
@@ -9300,7 +9270,7 @@
   <p:timing>
     <p:tnLst>
       <p:par>
-        <p:cTn xmlns:p14="http://schemas.microsoft.com/office/powerpoint/2010/main" id="1" dur="indefinite" restart="never" nodeType="tmRoot">
+        <p:cTn id="1" dur="indefinite" restart="never" nodeType="tmRoot">
           <p:childTnLst>
             <p:seq concurrent="1" nextAc="seek">
               <p:cTn id="2" dur="indefinite" nodeType="mainSeq">
@@ -9817,7 +9787,7 @@
               <a:rPr lang="en-US" smtClean="0">
                 <a:latin typeface="Garamond" charset="0"/>
               </a:rPr>
-              <a:t>9/5/17</a:t>
+              <a:t>9/6/2017</a:t>
             </a:fld>
             <a:endParaRPr lang="en-US">
               <a:latin typeface="Garamond" charset="0"/>
@@ -10003,7 +9973,7 @@
   <p:timing>
     <p:tnLst>
       <p:par>
-        <p:cTn xmlns:p14="http://schemas.microsoft.com/office/powerpoint/2010/main" id="1" dur="indefinite" restart="never" nodeType="tmRoot">
+        <p:cTn id="1" dur="indefinite" restart="never" nodeType="tmRoot">
           <p:childTnLst>
             <p:seq concurrent="1" nextAc="seek">
               <p:cTn id="2" dur="indefinite" nodeType="mainSeq">
@@ -10532,7 +10502,7 @@
               <a:rPr lang="en-US" smtClean="0">
                 <a:latin typeface="Garamond" charset="0"/>
               </a:rPr>
-              <a:t>9/5/17</a:t>
+              <a:t>9/6/2017</a:t>
             </a:fld>
             <a:endParaRPr lang="en-US">
               <a:latin typeface="Garamond" charset="0"/>
@@ -10718,7 +10688,7 @@
   <p:timing>
     <p:tnLst>
       <p:par>
-        <p:cTn xmlns:p14="http://schemas.microsoft.com/office/powerpoint/2010/main" id="1" dur="indefinite" restart="never" nodeType="tmRoot">
+        <p:cTn id="1" dur="indefinite" restart="never" nodeType="tmRoot">
           <p:childTnLst>
             <p:seq concurrent="1" nextAc="seek">
               <p:cTn id="2" dur="indefinite" nodeType="mainSeq">
@@ -11421,7 +11391,7 @@
               <a:rPr lang="en-US" smtClean="0">
                 <a:latin typeface="Garamond" charset="0"/>
               </a:rPr>
-              <a:t>9/5/17</a:t>
+              <a:t>9/6/2017</a:t>
             </a:fld>
             <a:endParaRPr lang="en-US">
               <a:latin typeface="Garamond" charset="0"/>
@@ -11607,7 +11577,7 @@
   <p:timing>
     <p:tnLst>
       <p:par>
-        <p:cTn xmlns:p14="http://schemas.microsoft.com/office/powerpoint/2010/main" id="1" dur="indefinite" restart="never" nodeType="tmRoot">
+        <p:cTn id="1" dur="indefinite" restart="never" nodeType="tmRoot">
           <p:childTnLst>
             <p:seq concurrent="1" nextAc="seek">
               <p:cTn id="2" dur="indefinite" nodeType="mainSeq">
@@ -12141,13 +12111,8 @@
             <a:pPr lvl="1"/>
             <a:r>
               <a:rPr lang="en-US" dirty="0" smtClean="0"/>
-              <a:t>Program 1 due </a:t>
-            </a:r>
-            <a:r>
-              <a:rPr lang="en-US" dirty="0" smtClean="0"/>
-              <a:t>Monday, 9/11</a:t>
-            </a:r>
-            <a:endParaRPr lang="en-US" dirty="0" smtClean="0"/>
+              <a:t>Program 1 due Monday, 9/11</a:t>
+            </a:r>
           </a:p>
           <a:p>
             <a:pPr lvl="2">
@@ -12384,7 +12349,7 @@
           <a:p>
             <a:fld id="{217E7EE8-5A33-1F4C-9F04-26D2120514DE}" type="datetime1">
               <a:rPr lang="en-US" smtClean="0"/>
-              <a:t>9/5/17</a:t>
+              <a:t>9/6/2017</a:t>
             </a:fld>
             <a:endParaRPr lang="en-US"/>
           </a:p>
@@ -12560,7 +12525,7 @@
   <p:timing>
     <p:tnLst>
       <p:par>
-        <p:cTn xmlns:p14="http://schemas.microsoft.com/office/powerpoint/2010/main" id="1" dur="indefinite" restart="never" nodeType="tmRoot"/>
+        <p:cTn id="1" dur="indefinite" restart="never" nodeType="tmRoot"/>
       </p:par>
     </p:tnLst>
   </p:timing>
@@ -13032,7 +12997,7 @@
               <a:rPr lang="en-US" smtClean="0">
                 <a:latin typeface="Garamond" charset="0"/>
               </a:rPr>
-              <a:t>9/5/17</a:t>
+              <a:t>9/6/2017</a:t>
             </a:fld>
             <a:endParaRPr lang="en-US">
               <a:latin typeface="Garamond" charset="0"/>
@@ -13218,7 +13183,7 @@
   <p:timing>
     <p:tnLst>
       <p:par>
-        <p:cTn xmlns:p14="http://schemas.microsoft.com/office/powerpoint/2010/main" id="1" dur="indefinite" restart="never" nodeType="tmRoot"/>
+        <p:cTn id="1" dur="indefinite" restart="never" nodeType="tmRoot"/>
       </p:par>
     </p:tnLst>
   </p:timing>
@@ -13377,7 +13342,7 @@
               <a:rPr lang="en-US" smtClean="0">
                 <a:latin typeface="Garamond" charset="0"/>
               </a:rPr>
-              <a:t>9/5/17</a:t>
+              <a:t>9/6/2017</a:t>
             </a:fld>
             <a:endParaRPr lang="en-US">
               <a:latin typeface="Garamond" charset="0"/>
@@ -13650,17 +13615,8 @@
               <a:rPr lang="en-US" dirty="0" smtClean="0">
                 <a:latin typeface="Arial" charset="0"/>
               </a:rPr>
-              <a:t>Ball </a:t>
-            </a:r>
-            <a:r>
-              <a:rPr lang="en-US" dirty="0" smtClean="0">
-                <a:latin typeface="Arial" charset="0"/>
-              </a:rPr>
-              <a:t>326</a:t>
-            </a:r>
-            <a:endParaRPr lang="en-US" dirty="0" smtClean="0">
-              <a:latin typeface="Arial" charset="0"/>
-            </a:endParaRPr>
+              <a:t>Ball 326</a:t>
+            </a:r>
           </a:p>
           <a:p>
             <a:pPr lvl="1" eaLnBrk="1" hangingPunct="1">
@@ -13674,25 +13630,7 @@
               <a:rPr lang="en-US" dirty="0" smtClean="0">
                 <a:latin typeface="Arial" charset="0"/>
               </a:rPr>
-              <a:t>Section 202: MWF </a:t>
-            </a:r>
-            <a:r>
-              <a:rPr lang="en-US" dirty="0" smtClean="0">
-                <a:latin typeface="Arial" charset="0"/>
-              </a:rPr>
-              <a:t>1-1:</a:t>
-            </a:r>
-            <a:r>
-              <a:rPr lang="en-US" dirty="0" smtClean="0">
-                <a:latin typeface="Arial" charset="0"/>
-              </a:rPr>
-              <a:t>50, </a:t>
-            </a:r>
-            <a:r>
-              <a:rPr lang="en-US" dirty="0" smtClean="0">
-                <a:latin typeface="Arial" charset="0"/>
-              </a:rPr>
-              <a:t>Ball 314</a:t>
+              <a:t>Section 202: MWF 1-1:50, Ball 314</a:t>
             </a:r>
           </a:p>
           <a:p>
@@ -13709,9 +13647,6 @@
               </a:rPr>
               <a:t>Section 203: MWF 12-12:50, Ball 314</a:t>
             </a:r>
-            <a:endParaRPr lang="en-US" dirty="0" smtClean="0">
-              <a:latin typeface="Arial" charset="0"/>
-            </a:endParaRPr>
           </a:p>
           <a:p>
             <a:pPr lvl="1" eaLnBrk="1" hangingPunct="1">
@@ -13764,7 +13699,7 @@
   <p:timing>
     <p:tnLst>
       <p:par>
-        <p:cTn xmlns:p14="http://schemas.microsoft.com/office/powerpoint/2010/main" id="1" dur="indefinite" restart="never" nodeType="tmRoot"/>
+        <p:cTn id="1" dur="indefinite" restart="never" nodeType="tmRoot"/>
       </p:par>
     </p:tnLst>
   </p:timing>
@@ -13923,7 +13858,7 @@
               <a:rPr lang="en-US" smtClean="0">
                 <a:latin typeface="Garamond" charset="0"/>
               </a:rPr>
-              <a:t>9/5/17</a:t>
+              <a:t>9/6/2017</a:t>
             </a:fld>
             <a:endParaRPr lang="en-US">
               <a:latin typeface="Garamond" charset="0"/>
@@ -14243,16 +14178,28 @@
               </a:lnSpc>
             </a:pPr>
             <a:r>
-              <a:rPr lang="en-US" u="sng" dirty="0">
+              <a:rPr lang="en-US" u="sng" dirty="0" smtClean="0">
                 <a:latin typeface="Arial" charset="0"/>
               </a:rPr>
               <a:t>Office:</a:t>
             </a:r>
             <a:r>
-              <a:rPr lang="en-US" dirty="0">
-                <a:latin typeface="Arial" charset="0"/>
-              </a:rPr>
-              <a:t>  118A Perry Hall </a:t>
+              <a:rPr lang="en-US" dirty="0" smtClean="0">
+                <a:latin typeface="Arial" charset="0"/>
+              </a:rPr>
+              <a:t>  </a:t>
+            </a:r>
+            <a:r>
+              <a:rPr lang="en-US" smtClean="0">
+                <a:latin typeface="Arial" charset="0"/>
+              </a:rPr>
+              <a:t>301A Ball </a:t>
+            </a:r>
+            <a:r>
+              <a:rPr lang="en-US" dirty="0" smtClean="0">
+                <a:latin typeface="Arial" charset="0"/>
+              </a:rPr>
+              <a:t>Hall </a:t>
             </a:r>
           </a:p>
           <a:p>
@@ -14262,56 +14209,29 @@
               </a:lnSpc>
             </a:pPr>
             <a:r>
-              <a:rPr lang="en-US" u="sng" dirty="0">
+              <a:rPr lang="en-US" u="sng" dirty="0" smtClean="0">
                 <a:latin typeface="Arial" charset="0"/>
               </a:rPr>
               <a:t>Office hours:</a:t>
             </a:r>
             <a:r>
-              <a:rPr lang="en-US" dirty="0">
-                <a:latin typeface="Arial" charset="0"/>
-              </a:rPr>
-              <a:t> M </a:t>
-            </a:r>
-            <a:r>
               <a:rPr lang="en-US" dirty="0" smtClean="0">
                 <a:latin typeface="Arial" charset="0"/>
               </a:rPr>
-              <a:t>9:30-11, </a:t>
-            </a:r>
-            <a:r>
-              <a:rPr lang="en-US" dirty="0">
-                <a:latin typeface="Arial" charset="0"/>
-              </a:rPr>
-              <a:t>W </a:t>
+              <a:t> M 9:30-11, W 9:30-11, </a:t>
+            </a:r>
+            <a:r>
+              <a:rPr lang="en-US" dirty="0" err="1" smtClean="0">
+                <a:latin typeface="Arial" charset="0"/>
+              </a:rPr>
+              <a:t>Th</a:t>
             </a:r>
             <a:r>
               <a:rPr lang="en-US" dirty="0" smtClean="0">
                 <a:latin typeface="Arial" charset="0"/>
               </a:rPr>
-              <a:t>9:30-11, </a:t>
-            </a:r>
-            <a:r>
-              <a:rPr lang="en-US" dirty="0" err="1">
-                <a:latin typeface="Arial" charset="0"/>
-              </a:rPr>
-              <a:t>Th</a:t>
-            </a:r>
-            <a:r>
-              <a:rPr lang="en-US" dirty="0">
-                <a:latin typeface="Arial" charset="0"/>
-              </a:rPr>
-              <a:t> </a:t>
-            </a:r>
-            <a:r>
-              <a:rPr lang="en-US" dirty="0" smtClean="0">
-                <a:latin typeface="Arial" charset="0"/>
-              </a:rPr>
-              <a:t>1:30-3</a:t>
-            </a:r>
-            <a:endParaRPr lang="en-US" dirty="0">
-              <a:latin typeface="Arial" charset="0"/>
-            </a:endParaRPr>
+              <a:t> 1:30-3</a:t>
+            </a:r>
           </a:p>
           <a:p>
             <a:pPr lvl="2" eaLnBrk="1" hangingPunct="1">
@@ -14320,10 +14240,16 @@
               </a:lnSpc>
             </a:pPr>
             <a:r>
+              <a:rPr lang="en-US" dirty="0" smtClean="0">
+                <a:latin typeface="Arial" charset="0"/>
+              </a:rPr>
+              <a:t>Student </a:t>
+            </a:r>
+            <a:r>
               <a:rPr lang="en-US" dirty="0">
                 <a:latin typeface="Arial" charset="0"/>
               </a:rPr>
-              <a:t>Student questions are top priority during these hours</a:t>
+              <a:t>questions are top priority during these hours</a:t>
             </a:r>
           </a:p>
           <a:p>
@@ -14354,19 +14280,7 @@
               <a:rPr lang="en-US" dirty="0" smtClean="0">
                 <a:latin typeface="Arial" charset="0"/>
               </a:rPr>
-              <a:t>MW 11-11:</a:t>
-            </a:r>
-            <a:r>
-              <a:rPr lang="en-US" dirty="0" smtClean="0">
-                <a:latin typeface="Arial" charset="0"/>
-              </a:rPr>
-              <a:t>45 &amp; 2-3, </a:t>
-            </a:r>
-            <a:r>
-              <a:rPr lang="en-US" dirty="0" smtClean="0">
-                <a:latin typeface="Arial" charset="0"/>
-              </a:rPr>
-              <a:t>F 9:30-11:45</a:t>
+              <a:t>MW 11-11:45 &amp; 2-3, F 9:30-11:45</a:t>
             </a:r>
             <a:endParaRPr lang="en-US" dirty="0">
               <a:latin typeface="Arial" charset="0"/>
@@ -14437,7 +14351,7 @@
   <p:timing>
     <p:tnLst>
       <p:par>
-        <p:cTn xmlns:p14="http://schemas.microsoft.com/office/powerpoint/2010/main" id="1" dur="indefinite" restart="never" nodeType="tmRoot"/>
+        <p:cTn id="1" dur="indefinite" restart="never" nodeType="tmRoot"/>
       </p:par>
     </p:tnLst>
   </p:timing>
@@ -14653,7 +14567,7 @@
           <a:p>
             <a:fld id="{BA7177C3-D81E-3741-A84F-39E996C00AC0}" type="datetime1">
               <a:rPr lang="en-US" smtClean="0"/>
-              <a:t>9/5/17</a:t>
+              <a:t>9/6/2017</a:t>
             </a:fld>
             <a:endParaRPr lang="en-US"/>
           </a:p>
@@ -14719,6 +14633,13 @@
   <p:clrMapOvr>
     <a:masterClrMapping/>
   </p:clrMapOvr>
+  <p:timing>
+    <p:tnLst>
+      <p:par>
+        <p:cTn id="1" dur="indefinite" restart="never" nodeType="tmRoot"/>
+      </p:par>
+    </p:tnLst>
+  </p:timing>
 </p:sld>
 </file>
 
@@ -14874,7 +14795,7 @@
               <a:rPr lang="en-US" smtClean="0">
                 <a:latin typeface="Garamond" charset="0"/>
               </a:rPr>
-              <a:t>9/5/17</a:t>
+              <a:t>9/6/2017</a:t>
             </a:fld>
             <a:endParaRPr lang="en-US">
               <a:latin typeface="Garamond" charset="0"/>
@@ -15193,15 +15114,7 @@
             </a:pPr>
             <a:r>
               <a:rPr lang="en-US" dirty="0" smtClean="0"/>
-              <a:t>Windows: Microsoft Visual Studio </a:t>
-            </a:r>
-            <a:r>
-              <a:rPr lang="en-US" dirty="0" smtClean="0"/>
-              <a:t>Community (</a:t>
-            </a:r>
-            <a:r>
-              <a:rPr lang="en-US" dirty="0" smtClean="0"/>
-              <a:t>MS website)</a:t>
+              <a:t>Windows: Microsoft Visual Studio Community (MS website)</a:t>
             </a:r>
           </a:p>
           <a:p>
@@ -15260,7 +15173,7 @@
   <p:timing>
     <p:tnLst>
       <p:par>
-        <p:cTn xmlns:p14="http://schemas.microsoft.com/office/powerpoint/2010/main" id="1" dur="indefinite" restart="never" nodeType="tmRoot"/>
+        <p:cTn id="1" dur="indefinite" restart="never" nodeType="tmRoot"/>
       </p:par>
     </p:tnLst>
   </p:timing>
@@ -15371,7 +15284,16 @@
                 </a:solidFill>
                 <a:latin typeface="Arial" charset="0"/>
               </a:rPr>
-              <a:t>/eece2160</a:t>
+              <a:t>/eece2160/</a:t>
+            </a:r>
+            <a:r>
+              <a:rPr lang="en-US" sz="2400" dirty="0">
+                <a:solidFill>
+                  <a:srgbClr val="0000FF"/>
+                </a:solidFill>
+                <a:latin typeface="Arial" charset="0"/>
+              </a:rPr>
+              <a:t>f</a:t>
             </a:r>
             <a:r>
               <a:rPr lang="en-US" sz="2400" dirty="0" smtClean="0">
@@ -15380,34 +15302,7 @@
                 </a:solidFill>
                 <a:latin typeface="Arial" charset="0"/>
               </a:rPr>
-              <a:t>/</a:t>
-            </a:r>
-            <a:r>
-              <a:rPr lang="en-US" sz="2400" dirty="0">
-                <a:solidFill>
-                  <a:srgbClr val="0000FF"/>
-                </a:solidFill>
-                <a:latin typeface="Arial" charset="0"/>
-              </a:rPr>
-              <a:t>f</a:t>
-            </a:r>
-            <a:r>
-              <a:rPr lang="en-US" sz="2400" dirty="0" smtClean="0">
-                <a:solidFill>
-                  <a:srgbClr val="0000FF"/>
-                </a:solidFill>
-                <a:latin typeface="Arial" charset="0"/>
-              </a:rPr>
-              <a:t>17</a:t>
-            </a:r>
-            <a:r>
-              <a:rPr lang="en-US" sz="2400" dirty="0" smtClean="0">
-                <a:solidFill>
-                  <a:srgbClr val="0000FF"/>
-                </a:solidFill>
-                <a:latin typeface="Arial" charset="0"/>
-              </a:rPr>
-              <a:t>/</a:t>
+              <a:t>17/</a:t>
             </a:r>
             <a:r>
               <a:rPr lang="en-US" sz="2400" dirty="0" err="1">
@@ -15454,7 +15349,16 @@
                 </a:solidFill>
                 <a:latin typeface="Arial" charset="0"/>
               </a:rPr>
-              <a:t>/eece2160</a:t>
+              <a:t>/eece2160/</a:t>
+            </a:r>
+            <a:r>
+              <a:rPr lang="en-US" sz="2400" dirty="0">
+                <a:solidFill>
+                  <a:srgbClr val="0000FF"/>
+                </a:solidFill>
+                <a:latin typeface="Arial" charset="0"/>
+              </a:rPr>
+              <a:t>f</a:t>
             </a:r>
             <a:r>
               <a:rPr lang="en-US" sz="2400" dirty="0" smtClean="0">
@@ -15463,34 +15367,7 @@
                 </a:solidFill>
                 <a:latin typeface="Arial" charset="0"/>
               </a:rPr>
-              <a:t>/</a:t>
-            </a:r>
-            <a:r>
-              <a:rPr lang="en-US" sz="2400" dirty="0">
-                <a:solidFill>
-                  <a:srgbClr val="0000FF"/>
-                </a:solidFill>
-                <a:latin typeface="Arial" charset="0"/>
-              </a:rPr>
-              <a:t>f</a:t>
-            </a:r>
-            <a:r>
-              <a:rPr lang="en-US" sz="2400" dirty="0" smtClean="0">
-                <a:solidFill>
-                  <a:srgbClr val="0000FF"/>
-                </a:solidFill>
-                <a:latin typeface="Arial" charset="0"/>
-              </a:rPr>
-              <a:t>17</a:t>
-            </a:r>
-            <a:r>
-              <a:rPr lang="en-US" sz="2400" dirty="0" smtClean="0">
-                <a:solidFill>
-                  <a:srgbClr val="0000FF"/>
-                </a:solidFill>
-                <a:latin typeface="Arial" charset="0"/>
-              </a:rPr>
-              <a:t>/</a:t>
+              <a:t>17/</a:t>
             </a:r>
             <a:r>
               <a:rPr lang="en-US" sz="2400" dirty="0" err="1" smtClean="0">
@@ -15746,7 +15623,7 @@
               <a:rPr lang="en-US" smtClean="0">
                 <a:latin typeface="Garamond" charset="0"/>
               </a:rPr>
-              <a:t>9/5/17</a:t>
+              <a:t>9/6/2017</a:t>
             </a:fld>
             <a:endParaRPr lang="en-US">
               <a:latin typeface="Garamond" charset="0"/>
@@ -15931,7 +15808,7 @@
   <p:timing>
     <p:tnLst>
       <p:par>
-        <p:cTn xmlns:p14="http://schemas.microsoft.com/office/powerpoint/2010/main" id="1" dur="indefinite" restart="never" nodeType="tmRoot"/>
+        <p:cTn id="1" dur="indefinite" restart="never" nodeType="tmRoot"/>
       </p:par>
     </p:tnLst>
   </p:timing>
@@ -16184,7 +16061,7 @@
           <a:p>
             <a:fld id="{C983AF4E-1458-4A4B-8422-E76249AAE24E}" type="datetime1">
               <a:rPr lang="en-US" smtClean="0"/>
-              <a:t>9/5/17</a:t>
+              <a:t>9/6/2017</a:t>
             </a:fld>
             <a:endParaRPr lang="en-US"/>
           </a:p>
@@ -16360,7 +16237,7 @@
   <p:timing>
     <p:tnLst>
       <p:par>
-        <p:cTn xmlns:p14="http://schemas.microsoft.com/office/powerpoint/2010/main" id="1" dur="indefinite" restart="never" nodeType="tmRoot"/>
+        <p:cTn id="1" dur="indefinite" restart="never" nodeType="tmRoot"/>
       </p:par>
     </p:tnLst>
   </p:timing>
@@ -16722,7 +16599,7 @@
               <a:rPr lang="en-US" smtClean="0">
                 <a:latin typeface="Garamond" charset="0"/>
               </a:rPr>
-              <a:t>9/5/17</a:t>
+              <a:t>9/6/2017</a:t>
             </a:fld>
             <a:endParaRPr lang="en-US">
               <a:latin typeface="Garamond" charset="0"/>
@@ -16907,7 +16784,7 @@
   <p:timing>
     <p:tnLst>
       <p:par>
-        <p:cTn xmlns:p14="http://schemas.microsoft.com/office/powerpoint/2010/main" id="1" dur="indefinite" restart="never" nodeType="tmRoot"/>
+        <p:cTn id="1" dur="indefinite" restart="never" nodeType="tmRoot"/>
       </p:par>
     </p:tnLst>
   </p:timing>
